--- a/Documentos/Métodos numéricos.pptx
+++ b/Documentos/Métodos numéricos.pptx
@@ -6,8 +6,12 @@
   </p:sldMasterIdLst>
   <p:sldIdLst>
     <p:sldId id="256" r:id="rId2"/>
-    <p:sldId id="258" r:id="rId3"/>
-    <p:sldId id="257" r:id="rId4"/>
+    <p:sldId id="261" r:id="rId3"/>
+    <p:sldId id="259" r:id="rId4"/>
+    <p:sldId id="258" r:id="rId5"/>
+    <p:sldId id="262" r:id="rId6"/>
+    <p:sldId id="260" r:id="rId7"/>
+    <p:sldId id="257" r:id="rId8"/>
   </p:sldIdLst>
   <p:sldSz cx="12192000" cy="6858000"/>
   <p:notesSz cx="6858000" cy="9144000"/>
@@ -106,6 +110,11 @@
       </a:defRPr>
     </a:lvl9pPr>
   </p:defaultTextStyle>
+  <p:extLst>
+    <p:ext uri="{EFAFB233-063F-42B5-8137-9DF3F51BA10A}">
+      <p15:sldGuideLst xmlns:p15="http://schemas.microsoft.com/office/powerpoint/2012/main"/>
+    </p:ext>
+  </p:extLst>
 </p:presentation>
 </file>
 
@@ -5789,12 +5798,94 @@
         </p:nvSpPr>
         <p:spPr/>
         <p:txBody>
-          <a:bodyPr/>
-          <a:lstStyle/>
-          <a:p>
-            <a:r>
-              <a:rPr lang="es-ES" dirty="0"/>
-              <a:t>Métodos numéricos</a:t>
+          <a:bodyPr>
+            <a:normAutofit/>
+          </a:bodyPr>
+          <a:lstStyle/>
+          <a:p>
+            <a:r>
+              <a:rPr kumimoji="0" lang="es-MX" altLang="es-MX" sz="4800" b="0" i="0" u="none" strike="noStrike" cap="none" normalizeH="0" baseline="0" dirty="0">
+                <a:ln>
+                  <a:noFill/>
+                </a:ln>
+                <a:effectLst/>
+                <a:latin typeface="Calibri Light" panose="020F0302020204030204" pitchFamily="34" charset="0"/>
+                <a:ea typeface="Times New Roman" panose="02020603050405020304" pitchFamily="18" charset="0"/>
+                <a:cs typeface="Calibri Light" panose="020F0302020204030204" pitchFamily="34" charset="0"/>
+              </a:rPr>
+              <a:t>Soluci</a:t>
+            </a:r>
+            <a:r>
+              <a:rPr kumimoji="0" lang="es-MX" altLang="es-MX" sz="4800" b="0" i="0" u="none" strike="noStrike" cap="none" normalizeH="0" baseline="0" dirty="0">
+                <a:ln>
+                  <a:noFill/>
+                </a:ln>
+                <a:effectLst/>
+                <a:latin typeface="Calibri" panose="020F0502020204030204" pitchFamily="34" charset="0"/>
+                <a:ea typeface="Times New Roman" panose="02020603050405020304" pitchFamily="18" charset="0"/>
+                <a:cs typeface="Calibri Light" panose="020F0302020204030204" pitchFamily="34" charset="0"/>
+              </a:rPr>
+              <a:t>ó</a:t>
+            </a:r>
+            <a:r>
+              <a:rPr kumimoji="0" lang="es-MX" altLang="es-MX" sz="4800" b="0" i="0" u="none" strike="noStrike" cap="none" normalizeH="0" baseline="0" dirty="0">
+                <a:ln>
+                  <a:noFill/>
+                </a:ln>
+                <a:effectLst/>
+                <a:latin typeface="Calibri Light" panose="020F0302020204030204" pitchFamily="34" charset="0"/>
+                <a:ea typeface="Times New Roman" panose="02020603050405020304" pitchFamily="18" charset="0"/>
+                <a:cs typeface="Calibri Light" panose="020F0302020204030204" pitchFamily="34" charset="0"/>
+              </a:rPr>
+              <a:t>n de ecuaciones por medio de m</a:t>
+            </a:r>
+            <a:r>
+              <a:rPr kumimoji="0" lang="es-MX" altLang="es-MX" sz="4800" b="0" i="0" u="none" strike="noStrike" cap="none" normalizeH="0" baseline="0" dirty="0">
+                <a:ln>
+                  <a:noFill/>
+                </a:ln>
+                <a:effectLst/>
+                <a:latin typeface="Calibri" panose="020F0502020204030204" pitchFamily="34" charset="0"/>
+                <a:ea typeface="Times New Roman" panose="02020603050405020304" pitchFamily="18" charset="0"/>
+                <a:cs typeface="Calibri Light" panose="020F0302020204030204" pitchFamily="34" charset="0"/>
+              </a:rPr>
+              <a:t>é</a:t>
+            </a:r>
+            <a:r>
+              <a:rPr kumimoji="0" lang="es-MX" altLang="es-MX" sz="4800" b="0" i="0" u="none" strike="noStrike" cap="none" normalizeH="0" baseline="0" dirty="0">
+                <a:ln>
+                  <a:noFill/>
+                </a:ln>
+                <a:effectLst/>
+                <a:latin typeface="Calibri Light" panose="020F0302020204030204" pitchFamily="34" charset="0"/>
+                <a:ea typeface="Times New Roman" panose="02020603050405020304" pitchFamily="18" charset="0"/>
+                <a:cs typeface="Calibri Light" panose="020F0302020204030204" pitchFamily="34" charset="0"/>
+              </a:rPr>
+              <a:t>todos num</a:t>
+            </a:r>
+            <a:r>
+              <a:rPr kumimoji="0" lang="es-MX" altLang="es-MX" sz="4800" b="0" i="0" u="none" strike="noStrike" cap="none" normalizeH="0" baseline="0" dirty="0">
+                <a:ln>
+                  <a:noFill/>
+                </a:ln>
+                <a:effectLst/>
+                <a:latin typeface="Calibri" panose="020F0502020204030204" pitchFamily="34" charset="0"/>
+                <a:ea typeface="Times New Roman" panose="02020603050405020304" pitchFamily="18" charset="0"/>
+                <a:cs typeface="Calibri Light" panose="020F0302020204030204" pitchFamily="34" charset="0"/>
+              </a:rPr>
+              <a:t>é</a:t>
+            </a:r>
+            <a:r>
+              <a:rPr kumimoji="0" lang="es-MX" altLang="es-MX" sz="4800" b="0" i="0" u="none" strike="noStrike" cap="none" normalizeH="0" baseline="0" dirty="0">
+                <a:ln>
+                  <a:noFill/>
+                </a:ln>
+                <a:effectLst/>
+                <a:latin typeface="Calibri Light" panose="020F0302020204030204" pitchFamily="34" charset="0"/>
+                <a:ea typeface="Times New Roman" panose="02020603050405020304" pitchFamily="18" charset="0"/>
+                <a:cs typeface="Calibri Light" panose="020F0302020204030204" pitchFamily="34" charset="0"/>
+              </a:rPr>
+              <a:t>ricos</a:t>
             </a:r>
             <a:endParaRPr lang="es-MX" dirty="0"/>
           </a:p>
@@ -5821,7 +5912,115 @@
           <a:bodyPr/>
           <a:lstStyle/>
           <a:p>
+            <a:r>
+              <a:rPr lang="en-US" dirty="0" err="1"/>
+              <a:t>Monreal</a:t>
+            </a:r>
+            <a:r>
+              <a:rPr lang="en-US" dirty="0"/>
+              <a:t> Romero Juan Carlos</a:t>
+            </a:r>
+          </a:p>
+          <a:p>
+            <a:r>
+              <a:rPr lang="en-US" dirty="0"/>
+              <a:t>Lagunas Higuera Jordy</a:t>
+            </a:r>
             <a:endParaRPr lang="es-MX" dirty="0"/>
+          </a:p>
+        </p:txBody>
+      </p:sp>
+      <p:sp>
+        <p:nvSpPr>
+          <p:cNvPr id="5" name="Rectangle 2">
+            <a:extLst>
+              <a:ext uri="{FF2B5EF4-FFF2-40B4-BE49-F238E27FC236}">
+                <a16:creationId xmlns:a16="http://schemas.microsoft.com/office/drawing/2014/main" id="{13912EB2-A38B-4268-9BBB-44046765DE0B}"/>
+              </a:ext>
+            </a:extLst>
+          </p:cNvPr>
+          <p:cNvSpPr>
+            <a:spLocks noChangeArrowheads="1"/>
+          </p:cNvSpPr>
+          <p:nvPr/>
+        </p:nvSpPr>
+        <p:spPr bwMode="auto">
+          <a:xfrm>
+            <a:off x="0" y="43934"/>
+            <a:ext cx="184731" cy="369332"/>
+          </a:xfrm>
+          <a:prstGeom prst="rect">
+            <a:avLst/>
+          </a:prstGeom>
+          <a:noFill/>
+          <a:ln>
+            <a:noFill/>
+          </a:ln>
+          <a:effectLst/>
+          <a:extLst>
+            <a:ext uri="{909E8E84-426E-40DD-AFC4-6F175D3DCCD1}">
+              <a14:hiddenFill xmlns:a14="http://schemas.microsoft.com/office/drawing/2010/main">
+                <a:solidFill>
+                  <a:schemeClr val="accent1"/>
+                </a:solidFill>
+              </a14:hiddenFill>
+            </a:ext>
+            <a:ext uri="{91240B29-F687-4F45-9708-019B960494DF}">
+              <a14:hiddenLine xmlns:a14="http://schemas.microsoft.com/office/drawing/2010/main" w="9525">
+                <a:solidFill>
+                  <a:schemeClr val="tx1"/>
+                </a:solidFill>
+                <a:miter lim="800000"/>
+                <a:headEnd/>
+                <a:tailEnd/>
+              </a14:hiddenLine>
+            </a:ext>
+            <a:ext uri="{AF507438-7753-43E0-B8FC-AC1667EBCBE1}">
+              <a14:hiddenEffects xmlns:a14="http://schemas.microsoft.com/office/drawing/2010/main">
+                <a:effectLst>
+                  <a:outerShdw dist="35921" dir="2700000" algn="ctr" rotWithShape="0">
+                    <a:schemeClr val="bg2"/>
+                  </a:outerShdw>
+                </a:effectLst>
+              </a14:hiddenEffects>
+            </a:ext>
+          </a:extLst>
+        </p:spPr>
+        <p:txBody>
+          <a:bodyPr vert="horz" wrap="none" lIns="91440" tIns="45720" rIns="91440" bIns="45720" numCol="1" anchor="ctr" anchorCtr="0" compatLnSpc="1">
+            <a:prstTxWarp prst="textNoShape">
+              <a:avLst/>
+            </a:prstTxWarp>
+            <a:spAutoFit/>
+          </a:bodyPr>
+          <a:lstStyle/>
+          <a:p>
+            <a:pPr marL="0" marR="0" lvl="0" indent="0" algn="l" defTabSz="914400" rtl="0" eaLnBrk="0" fontAlgn="base" latinLnBrk="0" hangingPunct="0">
+              <a:lnSpc>
+                <a:spcPct val="100000"/>
+              </a:lnSpc>
+              <a:spcBef>
+                <a:spcPct val="0"/>
+              </a:spcBef>
+              <a:spcAft>
+                <a:spcPct val="0"/>
+              </a:spcAft>
+              <a:buClrTx/>
+              <a:buSzTx/>
+              <a:buFontTx/>
+              <a:buNone/>
+              <a:tabLst/>
+            </a:pPr>
+            <a:endParaRPr kumimoji="0" lang="es-MX" altLang="es-MX" sz="1800" b="0" i="0" u="none" strike="noStrike" cap="none" normalizeH="0" baseline="0" dirty="0">
+              <a:ln>
+                <a:noFill/>
+              </a:ln>
+              <a:solidFill>
+                <a:schemeClr val="tx1"/>
+              </a:solidFill>
+              <a:effectLst/>
+              <a:latin typeface="Arial" panose="020B0604020202020204" pitchFamily="34" charset="0"/>
+            </a:endParaRPr>
           </a:p>
         </p:txBody>
       </p:sp>
@@ -5860,6 +6059,250 @@
           <p:cNvPr id="2" name="Título 1">
             <a:extLst>
               <a:ext uri="{FF2B5EF4-FFF2-40B4-BE49-F238E27FC236}">
+                <a16:creationId xmlns:a16="http://schemas.microsoft.com/office/drawing/2014/main" id="{1362E020-8ADE-4018-9D3B-6409F31F92AB}"/>
+              </a:ext>
+            </a:extLst>
+          </p:cNvPr>
+          <p:cNvSpPr>
+            <a:spLocks noGrp="1"/>
+          </p:cNvSpPr>
+          <p:nvPr>
+            <p:ph type="title"/>
+          </p:nvPr>
+        </p:nvSpPr>
+        <p:spPr/>
+        <p:txBody>
+          <a:bodyPr/>
+          <a:lstStyle/>
+          <a:p>
+            <a:r>
+              <a:rPr lang="en-US" dirty="0"/>
+              <a:t>Newton Raphson </a:t>
+            </a:r>
+            <a:endParaRPr lang="es-MX" dirty="0"/>
+          </a:p>
+        </p:txBody>
+      </p:sp>
+      <p:sp>
+        <p:nvSpPr>
+          <p:cNvPr id="3" name="Marcador de contenido 2">
+            <a:extLst>
+              <a:ext uri="{FF2B5EF4-FFF2-40B4-BE49-F238E27FC236}">
+                <a16:creationId xmlns:a16="http://schemas.microsoft.com/office/drawing/2014/main" id="{3ED7F012-1955-4645-B8B4-69A4F94F4D86}"/>
+              </a:ext>
+            </a:extLst>
+          </p:cNvPr>
+          <p:cNvSpPr>
+            <a:spLocks noGrp="1"/>
+          </p:cNvSpPr>
+          <p:nvPr>
+            <p:ph idx="1"/>
+          </p:nvPr>
+        </p:nvSpPr>
+        <p:spPr/>
+        <p:txBody>
+          <a:bodyPr/>
+          <a:lstStyle/>
+          <a:p>
+            <a:endParaRPr lang="es-MX"/>
+          </a:p>
+        </p:txBody>
+      </p:sp>
+      <p:pic>
+        <p:nvPicPr>
+          <p:cNvPr id="5" name="Imagen 4">
+            <a:extLst>
+              <a:ext uri="{FF2B5EF4-FFF2-40B4-BE49-F238E27FC236}">
+                <a16:creationId xmlns:a16="http://schemas.microsoft.com/office/drawing/2014/main" id="{43C0E8A6-A16F-48F7-A50C-A1DBFCD72D4F}"/>
+              </a:ext>
+            </a:extLst>
+          </p:cNvPr>
+          <p:cNvPicPr>
+            <a:picLocks noChangeAspect="1"/>
+          </p:cNvPicPr>
+          <p:nvPr/>
+        </p:nvPicPr>
+        <p:blipFill rotWithShape="1">
+          <a:blip r:embed="rId2"/>
+          <a:srcRect l="47478" t="17391" r="27087" b="71595"/>
+          <a:stretch/>
+        </p:blipFill>
+        <p:spPr>
+          <a:xfrm>
+            <a:off x="3919994" y="3291841"/>
+            <a:ext cx="3101008" cy="755374"/>
+          </a:xfrm>
+          <a:prstGeom prst="rect">
+            <a:avLst/>
+          </a:prstGeom>
+        </p:spPr>
+      </p:pic>
+    </p:spTree>
+    <p:extLst>
+      <p:ext uri="{BB962C8B-B14F-4D97-AF65-F5344CB8AC3E}">
+        <p14:creationId xmlns:p14="http://schemas.microsoft.com/office/powerpoint/2010/main" val="1351064459"/>
+      </p:ext>
+    </p:extLst>
+  </p:cSld>
+  <p:clrMapOvr>
+    <a:masterClrMapping/>
+  </p:clrMapOvr>
+</p:sld>
+</file>
+
+<file path=ppt/slides/slide3.xml><?xml version="1.0" encoding="utf-8"?>
+<p:sld xmlns:a="http://schemas.openxmlformats.org/drawingml/2006/main" xmlns:r="http://schemas.openxmlformats.org/officeDocument/2006/relationships" xmlns:p="http://schemas.openxmlformats.org/presentationml/2006/main">
+  <p:cSld>
+    <p:spTree>
+      <p:nvGrpSpPr>
+        <p:cNvPr id="1" name=""/>
+        <p:cNvGrpSpPr/>
+        <p:nvPr/>
+      </p:nvGrpSpPr>
+      <p:grpSpPr>
+        <a:xfrm>
+          <a:off x="0" y="0"/>
+          <a:ext cx="0" cy="0"/>
+          <a:chOff x="0" y="0"/>
+          <a:chExt cx="0" cy="0"/>
+        </a:xfrm>
+      </p:grpSpPr>
+      <p:sp>
+        <p:nvSpPr>
+          <p:cNvPr id="2" name="Título 1">
+            <a:extLst>
+              <a:ext uri="{FF2B5EF4-FFF2-40B4-BE49-F238E27FC236}">
+                <a16:creationId xmlns:a16="http://schemas.microsoft.com/office/drawing/2014/main" id="{BE49FBF4-A853-47EF-A12C-EF3B7191278E}"/>
+              </a:ext>
+            </a:extLst>
+          </p:cNvPr>
+          <p:cNvSpPr>
+            <a:spLocks noGrp="1"/>
+          </p:cNvSpPr>
+          <p:nvPr>
+            <p:ph type="title"/>
+          </p:nvPr>
+        </p:nvSpPr>
+        <p:spPr/>
+        <p:txBody>
+          <a:bodyPr/>
+          <a:lstStyle/>
+          <a:p>
+            <a:r>
+              <a:rPr lang="en-US" dirty="0"/>
+              <a:t>Newton</a:t>
+            </a:r>
+            <a:endParaRPr lang="es-MX" dirty="0"/>
+          </a:p>
+        </p:txBody>
+      </p:sp>
+      <p:sp>
+        <p:nvSpPr>
+          <p:cNvPr id="3" name="Marcador de contenido 2">
+            <a:extLst>
+              <a:ext uri="{FF2B5EF4-FFF2-40B4-BE49-F238E27FC236}">
+                <a16:creationId xmlns:a16="http://schemas.microsoft.com/office/drawing/2014/main" id="{D9DEC485-FE57-4018-B5D8-B14FECBC2A82}"/>
+              </a:ext>
+            </a:extLst>
+          </p:cNvPr>
+          <p:cNvSpPr>
+            <a:spLocks noGrp="1"/>
+          </p:cNvSpPr>
+          <p:nvPr>
+            <p:ph idx="1"/>
+          </p:nvPr>
+        </p:nvSpPr>
+        <p:spPr/>
+        <p:txBody>
+          <a:bodyPr/>
+          <a:lstStyle/>
+          <a:p>
+            <a:endParaRPr lang="es-MX"/>
+          </a:p>
+        </p:txBody>
+      </p:sp>
+      <p:pic>
+        <p:nvPicPr>
+          <p:cNvPr id="1028" name="Picture 4">
+            <a:extLst>
+              <a:ext uri="{FF2B5EF4-FFF2-40B4-BE49-F238E27FC236}">
+                <a16:creationId xmlns:a16="http://schemas.microsoft.com/office/drawing/2014/main" id="{F37EA5CB-F979-4C69-89FF-CCC4E952DD0A}"/>
+              </a:ext>
+            </a:extLst>
+          </p:cNvPr>
+          <p:cNvPicPr>
+            <a:picLocks noChangeAspect="1" noChangeArrowheads="1"/>
+          </p:cNvPicPr>
+          <p:nvPr/>
+        </p:nvPicPr>
+        <p:blipFill>
+          <a:blip r:embed="rId2">
+            <a:extLst>
+              <a:ext uri="{28A0092B-C50C-407E-A947-70E740481C1C}">
+                <a14:useLocalDpi xmlns:a14="http://schemas.microsoft.com/office/drawing/2010/main" val="0"/>
+              </a:ext>
+            </a:extLst>
+          </a:blip>
+          <a:srcRect/>
+          <a:stretch>
+            <a:fillRect/>
+          </a:stretch>
+        </p:blipFill>
+        <p:spPr bwMode="auto">
+          <a:xfrm>
+            <a:off x="3076327" y="1894945"/>
+            <a:ext cx="5753100" cy="4143375"/>
+          </a:xfrm>
+          <a:prstGeom prst="rect">
+            <a:avLst/>
+          </a:prstGeom>
+          <a:noFill/>
+          <a:extLst>
+            <a:ext uri="{909E8E84-426E-40DD-AFC4-6F175D3DCCD1}">
+              <a14:hiddenFill xmlns:a14="http://schemas.microsoft.com/office/drawing/2010/main">
+                <a:solidFill>
+                  <a:srgbClr val="FFFFFF"/>
+                </a:solidFill>
+              </a14:hiddenFill>
+            </a:ext>
+          </a:extLst>
+        </p:spPr>
+      </p:pic>
+    </p:spTree>
+    <p:extLst>
+      <p:ext uri="{BB962C8B-B14F-4D97-AF65-F5344CB8AC3E}">
+        <p14:creationId xmlns:p14="http://schemas.microsoft.com/office/powerpoint/2010/main" val="1610207199"/>
+      </p:ext>
+    </p:extLst>
+  </p:cSld>
+  <p:clrMapOvr>
+    <a:masterClrMapping/>
+  </p:clrMapOvr>
+</p:sld>
+</file>
+
+<file path=ppt/slides/slide4.xml><?xml version="1.0" encoding="utf-8"?>
+<p:sld xmlns:a="http://schemas.openxmlformats.org/drawingml/2006/main" xmlns:r="http://schemas.openxmlformats.org/officeDocument/2006/relationships" xmlns:p="http://schemas.openxmlformats.org/presentationml/2006/main">
+  <p:cSld>
+    <p:spTree>
+      <p:nvGrpSpPr>
+        <p:cNvPr id="1" name=""/>
+        <p:cNvGrpSpPr/>
+        <p:nvPr/>
+      </p:nvGrpSpPr>
+      <p:grpSpPr>
+        <a:xfrm>
+          <a:off x="0" y="0"/>
+          <a:ext cx="0" cy="0"/>
+          <a:chOff x="0" y="0"/>
+          <a:chExt cx="0" cy="0"/>
+        </a:xfrm>
+      </p:grpSpPr>
+      <p:sp>
+        <p:nvSpPr>
+          <p:cNvPr id="2" name="Título 1">
+            <a:extLst>
+              <a:ext uri="{FF2B5EF4-FFF2-40B4-BE49-F238E27FC236}">
                 <a16:creationId xmlns:a16="http://schemas.microsoft.com/office/drawing/2014/main" id="{689C22ED-CCEC-4214-9B4D-AC65341482B3}"/>
               </a:ext>
             </a:extLst>
@@ -5930,7 +6373,7 @@
         </p:blipFill>
         <p:spPr>
           <a:xfrm>
-            <a:off x="625840" y="1677724"/>
+            <a:off x="601986" y="1685675"/>
             <a:ext cx="4701534" cy="5041127"/>
           </a:xfrm>
           <a:prstGeom prst="rect">
@@ -5980,7 +6423,263 @@
 </p:sld>
 </file>
 
-<file path=ppt/slides/slide3.xml><?xml version="1.0" encoding="utf-8"?>
+<file path=ppt/slides/slide5.xml><?xml version="1.0" encoding="utf-8"?>
+<p:sld xmlns:a="http://schemas.openxmlformats.org/drawingml/2006/main" xmlns:r="http://schemas.openxmlformats.org/officeDocument/2006/relationships" xmlns:p="http://schemas.openxmlformats.org/presentationml/2006/main">
+  <p:cSld>
+    <p:spTree>
+      <p:nvGrpSpPr>
+        <p:cNvPr id="1" name=""/>
+        <p:cNvGrpSpPr/>
+        <p:nvPr/>
+      </p:nvGrpSpPr>
+      <p:grpSpPr>
+        <a:xfrm>
+          <a:off x="0" y="0"/>
+          <a:ext cx="0" cy="0"/>
+          <a:chOff x="0" y="0"/>
+          <a:chExt cx="0" cy="0"/>
+        </a:xfrm>
+      </p:grpSpPr>
+      <p:sp>
+        <p:nvSpPr>
+          <p:cNvPr id="2" name="Título 1">
+            <a:extLst>
+              <a:ext uri="{FF2B5EF4-FFF2-40B4-BE49-F238E27FC236}">
+                <a16:creationId xmlns:a16="http://schemas.microsoft.com/office/drawing/2014/main" id="{ACD58615-2581-456A-B531-E3C6024F3072}"/>
+              </a:ext>
+            </a:extLst>
+          </p:cNvPr>
+          <p:cNvSpPr>
+            <a:spLocks noGrp="1"/>
+          </p:cNvSpPr>
+          <p:nvPr>
+            <p:ph type="title"/>
+          </p:nvPr>
+        </p:nvSpPr>
+        <p:spPr/>
+        <p:txBody>
+          <a:bodyPr/>
+          <a:lstStyle/>
+          <a:p>
+            <a:r>
+              <a:rPr lang="en-US" dirty="0" err="1"/>
+              <a:t>Interpolacion</a:t>
+            </a:r>
+            <a:r>
+              <a:rPr lang="en-US" dirty="0"/>
+              <a:t> de Lagrange</a:t>
+            </a:r>
+            <a:endParaRPr lang="es-MX" dirty="0"/>
+          </a:p>
+        </p:txBody>
+      </p:sp>
+      <p:sp>
+        <p:nvSpPr>
+          <p:cNvPr id="3" name="Marcador de contenido 2">
+            <a:extLst>
+              <a:ext uri="{FF2B5EF4-FFF2-40B4-BE49-F238E27FC236}">
+                <a16:creationId xmlns:a16="http://schemas.microsoft.com/office/drawing/2014/main" id="{C341C9BA-4388-4998-A442-F0BAD2A370E5}"/>
+              </a:ext>
+            </a:extLst>
+          </p:cNvPr>
+          <p:cNvSpPr>
+            <a:spLocks noGrp="1"/>
+          </p:cNvSpPr>
+          <p:nvPr>
+            <p:ph idx="1"/>
+          </p:nvPr>
+        </p:nvSpPr>
+        <p:spPr/>
+        <p:txBody>
+          <a:bodyPr/>
+          <a:lstStyle/>
+          <a:p>
+            <a:endParaRPr lang="es-MX"/>
+          </a:p>
+        </p:txBody>
+      </p:sp>
+      <p:pic>
+        <p:nvPicPr>
+          <p:cNvPr id="5" name="Imagen 4">
+            <a:extLst>
+              <a:ext uri="{FF2B5EF4-FFF2-40B4-BE49-F238E27FC236}">
+                <a16:creationId xmlns:a16="http://schemas.microsoft.com/office/drawing/2014/main" id="{A75E24BE-91AA-4ABB-8E0F-6C75BFE48367}"/>
+              </a:ext>
+            </a:extLst>
+          </p:cNvPr>
+          <p:cNvPicPr>
+            <a:picLocks noChangeAspect="1"/>
+          </p:cNvPicPr>
+          <p:nvPr/>
+        </p:nvPicPr>
+        <p:blipFill rotWithShape="1">
+          <a:blip r:embed="rId2"/>
+          <a:srcRect l="33522" t="61217" r="38435" b="31362"/>
+          <a:stretch/>
+        </p:blipFill>
+        <p:spPr>
+          <a:xfrm>
+            <a:off x="2806809" y="2814762"/>
+            <a:ext cx="5243460" cy="780423"/>
+          </a:xfrm>
+          <a:prstGeom prst="rect">
+            <a:avLst/>
+          </a:prstGeom>
+        </p:spPr>
+      </p:pic>
+    </p:spTree>
+    <p:extLst>
+      <p:ext uri="{BB962C8B-B14F-4D97-AF65-F5344CB8AC3E}">
+        <p14:creationId xmlns:p14="http://schemas.microsoft.com/office/powerpoint/2010/main" val="2990666483"/>
+      </p:ext>
+    </p:extLst>
+  </p:cSld>
+  <p:clrMapOvr>
+    <a:masterClrMapping/>
+  </p:clrMapOvr>
+</p:sld>
+</file>
+
+<file path=ppt/slides/slide6.xml><?xml version="1.0" encoding="utf-8"?>
+<p:sld xmlns:a="http://schemas.openxmlformats.org/drawingml/2006/main" xmlns:r="http://schemas.openxmlformats.org/officeDocument/2006/relationships" xmlns:p="http://schemas.openxmlformats.org/presentationml/2006/main">
+  <p:cSld>
+    <p:spTree>
+      <p:nvGrpSpPr>
+        <p:cNvPr id="1" name=""/>
+        <p:cNvGrpSpPr/>
+        <p:nvPr/>
+      </p:nvGrpSpPr>
+      <p:grpSpPr>
+        <a:xfrm>
+          <a:off x="0" y="0"/>
+          <a:ext cx="0" cy="0"/>
+          <a:chOff x="0" y="0"/>
+          <a:chExt cx="0" cy="0"/>
+        </a:xfrm>
+      </p:grpSpPr>
+      <p:sp>
+        <p:nvSpPr>
+          <p:cNvPr id="2" name="Título 1">
+            <a:extLst>
+              <a:ext uri="{FF2B5EF4-FFF2-40B4-BE49-F238E27FC236}">
+                <a16:creationId xmlns:a16="http://schemas.microsoft.com/office/drawing/2014/main" id="{BE009060-84B4-4639-ADB9-A1BB0A453861}"/>
+              </a:ext>
+            </a:extLst>
+          </p:cNvPr>
+          <p:cNvSpPr>
+            <a:spLocks noGrp="1"/>
+          </p:cNvSpPr>
+          <p:nvPr>
+            <p:ph type="title"/>
+          </p:nvPr>
+        </p:nvSpPr>
+        <p:spPr/>
+        <p:txBody>
+          <a:bodyPr/>
+          <a:lstStyle/>
+          <a:p>
+            <a:r>
+              <a:rPr lang="en-US" dirty="0" err="1"/>
+              <a:t>Interpolacion</a:t>
+            </a:r>
+            <a:r>
+              <a:rPr lang="en-US" dirty="0"/>
+              <a:t> de </a:t>
+            </a:r>
+            <a:r>
+              <a:rPr lang="en-US" dirty="0" err="1"/>
+              <a:t>lagange</a:t>
+            </a:r>
+            <a:endParaRPr lang="es-MX" dirty="0"/>
+          </a:p>
+        </p:txBody>
+      </p:sp>
+      <p:sp>
+        <p:nvSpPr>
+          <p:cNvPr id="3" name="Marcador de contenido 2">
+            <a:extLst>
+              <a:ext uri="{FF2B5EF4-FFF2-40B4-BE49-F238E27FC236}">
+                <a16:creationId xmlns:a16="http://schemas.microsoft.com/office/drawing/2014/main" id="{91404367-5B06-4C1F-B91A-18DD5DB1C02D}"/>
+              </a:ext>
+            </a:extLst>
+          </p:cNvPr>
+          <p:cNvSpPr>
+            <a:spLocks noGrp="1"/>
+          </p:cNvSpPr>
+          <p:nvPr>
+            <p:ph idx="1"/>
+          </p:nvPr>
+        </p:nvSpPr>
+        <p:spPr/>
+        <p:txBody>
+          <a:bodyPr/>
+          <a:lstStyle/>
+          <a:p>
+            <a:endParaRPr lang="es-MX"/>
+          </a:p>
+        </p:txBody>
+      </p:sp>
+      <p:pic>
+        <p:nvPicPr>
+          <p:cNvPr id="2050" name="Picture 2">
+            <a:extLst>
+              <a:ext uri="{FF2B5EF4-FFF2-40B4-BE49-F238E27FC236}">
+                <a16:creationId xmlns:a16="http://schemas.microsoft.com/office/drawing/2014/main" id="{E7623860-6E4D-4FD0-9CE6-2FADE5707862}"/>
+              </a:ext>
+            </a:extLst>
+          </p:cNvPr>
+          <p:cNvPicPr>
+            <a:picLocks noChangeAspect="1" noChangeArrowheads="1"/>
+          </p:cNvPicPr>
+          <p:nvPr/>
+        </p:nvPicPr>
+        <p:blipFill>
+          <a:blip r:embed="rId2">
+            <a:extLst>
+              <a:ext uri="{28A0092B-C50C-407E-A947-70E740481C1C}">
+                <a14:useLocalDpi xmlns:a14="http://schemas.microsoft.com/office/drawing/2010/main" val="0"/>
+              </a:ext>
+            </a:extLst>
+          </a:blip>
+          <a:srcRect/>
+          <a:stretch>
+            <a:fillRect/>
+          </a:stretch>
+        </p:blipFill>
+        <p:spPr bwMode="auto">
+          <a:xfrm>
+            <a:off x="523874" y="2133600"/>
+            <a:ext cx="10982325" cy="4114800"/>
+          </a:xfrm>
+          <a:prstGeom prst="rect">
+            <a:avLst/>
+          </a:prstGeom>
+          <a:noFill/>
+          <a:extLst>
+            <a:ext uri="{909E8E84-426E-40DD-AFC4-6F175D3DCCD1}">
+              <a14:hiddenFill xmlns:a14="http://schemas.microsoft.com/office/drawing/2010/main">
+                <a:solidFill>
+                  <a:srgbClr val="FFFFFF"/>
+                </a:solidFill>
+              </a14:hiddenFill>
+            </a:ext>
+          </a:extLst>
+        </p:spPr>
+      </p:pic>
+    </p:spTree>
+    <p:extLst>
+      <p:ext uri="{BB962C8B-B14F-4D97-AF65-F5344CB8AC3E}">
+        <p14:creationId xmlns:p14="http://schemas.microsoft.com/office/powerpoint/2010/main" val="4071473247"/>
+      </p:ext>
+    </p:extLst>
+  </p:cSld>
+  <p:clrMapOvr>
+    <a:masterClrMapping/>
+  </p:clrMapOvr>
+</p:sld>
+</file>
+
+<file path=ppt/slides/slide7.xml><?xml version="1.0" encoding="utf-8"?>
 <p:sld xmlns:a="http://schemas.openxmlformats.org/drawingml/2006/main" xmlns:r="http://schemas.openxmlformats.org/officeDocument/2006/relationships" xmlns:p="http://schemas.openxmlformats.org/presentationml/2006/main">
   <p:cSld>
     <p:spTree>
